--- a/docs/assets/fractals/pentagons/sierpinski.pptx
+++ b/docs/assets/fractals/pentagons/sierpinski.pptx
@@ -2,12 +2,12 @@
 <file path=ppt/presentation.xml><?xml version="1.0" encoding="utf-8"?>
 <p:presentation xmlns:a="http://schemas.openxmlformats.org/drawingml/2006/main" xmlns:r="http://schemas.openxmlformats.org/officeDocument/2006/relationships" xmlns:p="http://schemas.openxmlformats.org/presentationml/2006/main" saveSubsetFonts="1" autoCompressPictures="0">
   <p:sldMasterIdLst>
-    <p:sldMasterId id="2147483660" r:id="rId1"/>
+    <p:sldMasterId id="2147483672" r:id="rId1"/>
   </p:sldMasterIdLst>
   <p:sldIdLst>
     <p:sldId id="256" r:id="rId2"/>
   </p:sldIdLst>
-  <p:sldSz cx="8640763" cy="8640763"/>
+  <p:sldSz cx="8640763" cy="8345488"/>
   <p:notesSz cx="6858000" cy="9144000"/>
   <p:defaultTextStyle>
     <a:defPPr>
@@ -141,8 +141,8 @@
         </p:nvSpPr>
         <p:spPr>
           <a:xfrm>
-            <a:off x="648057" y="1414125"/>
-            <a:ext cx="7344649" cy="3008266"/>
+            <a:off x="648057" y="1365802"/>
+            <a:ext cx="7344649" cy="2905466"/>
           </a:xfrm>
         </p:spPr>
         <p:txBody>
@@ -173,8 +173,8 @@
         </p:nvSpPr>
         <p:spPr>
           <a:xfrm>
-            <a:off x="1080096" y="4538401"/>
-            <a:ext cx="6480572" cy="2086184"/>
+            <a:off x="1080096" y="4383314"/>
+            <a:ext cx="6480572" cy="2014894"/>
           </a:xfrm>
         </p:spPr>
         <p:txBody>
@@ -243,7 +243,7 @@
           <a:p>
             <a:fld id="{A24B4596-C42D-1049-8F16-B297CC03CE11}" type="datetimeFigureOut">
               <a:rPr lang="en-GB" smtClean="0"/>
-              <a:t>07/07/2024</a:t>
+              <a:t>19/08/2024</a:t>
             </a:fld>
             <a:endParaRPr lang="en-GB"/>
           </a:p>
@@ -294,7 +294,7 @@
     </p:spTree>
     <p:extLst>
       <p:ext uri="{BB962C8B-B14F-4D97-AF65-F5344CB8AC3E}">
-        <p14:creationId xmlns:p14="http://schemas.microsoft.com/office/powerpoint/2010/main" val="3503335581"/>
+        <p14:creationId xmlns:p14="http://schemas.microsoft.com/office/powerpoint/2010/main" val="2994344953"/>
       </p:ext>
     </p:extLst>
   </p:cSld>
@@ -413,7 +413,7 @@
           <a:p>
             <a:fld id="{A24B4596-C42D-1049-8F16-B297CC03CE11}" type="datetimeFigureOut">
               <a:rPr lang="en-GB" smtClean="0"/>
-              <a:t>07/07/2024</a:t>
+              <a:t>19/08/2024</a:t>
             </a:fld>
             <a:endParaRPr lang="en-GB"/>
           </a:p>
@@ -464,7 +464,7 @@
     </p:spTree>
     <p:extLst>
       <p:ext uri="{BB962C8B-B14F-4D97-AF65-F5344CB8AC3E}">
-        <p14:creationId xmlns:p14="http://schemas.microsoft.com/office/powerpoint/2010/main" val="1884937923"/>
+        <p14:creationId xmlns:p14="http://schemas.microsoft.com/office/powerpoint/2010/main" val="3253596129"/>
       </p:ext>
     </p:extLst>
   </p:cSld>
@@ -503,8 +503,8 @@
         </p:nvSpPr>
         <p:spPr>
           <a:xfrm>
-            <a:off x="6183546" y="460041"/>
-            <a:ext cx="1863165" cy="7322647"/>
+            <a:off x="6183546" y="444320"/>
+            <a:ext cx="1863165" cy="7072415"/>
           </a:xfrm>
         </p:spPr>
         <p:txBody>
@@ -531,8 +531,8 @@
         </p:nvSpPr>
         <p:spPr>
           <a:xfrm>
-            <a:off x="594053" y="460041"/>
-            <a:ext cx="5481484" cy="7322647"/>
+            <a:off x="594053" y="444320"/>
+            <a:ext cx="5481484" cy="7072415"/>
           </a:xfrm>
         </p:spPr>
         <p:txBody>
@@ -593,7 +593,7 @@
           <a:p>
             <a:fld id="{A24B4596-C42D-1049-8F16-B297CC03CE11}" type="datetimeFigureOut">
               <a:rPr lang="en-GB" smtClean="0"/>
-              <a:t>07/07/2024</a:t>
+              <a:t>19/08/2024</a:t>
             </a:fld>
             <a:endParaRPr lang="en-GB"/>
           </a:p>
@@ -644,7 +644,7 @@
     </p:spTree>
     <p:extLst>
       <p:ext uri="{BB962C8B-B14F-4D97-AF65-F5344CB8AC3E}">
-        <p14:creationId xmlns:p14="http://schemas.microsoft.com/office/powerpoint/2010/main" val="875648627"/>
+        <p14:creationId xmlns:p14="http://schemas.microsoft.com/office/powerpoint/2010/main" val="1653821402"/>
       </p:ext>
     </p:extLst>
   </p:cSld>
@@ -763,7 +763,7 @@
           <a:p>
             <a:fld id="{A24B4596-C42D-1049-8F16-B297CC03CE11}" type="datetimeFigureOut">
               <a:rPr lang="en-GB" smtClean="0"/>
-              <a:t>07/07/2024</a:t>
+              <a:t>19/08/2024</a:t>
             </a:fld>
             <a:endParaRPr lang="en-GB"/>
           </a:p>
@@ -814,7 +814,7 @@
     </p:spTree>
     <p:extLst>
       <p:ext uri="{BB962C8B-B14F-4D97-AF65-F5344CB8AC3E}">
-        <p14:creationId xmlns:p14="http://schemas.microsoft.com/office/powerpoint/2010/main" val="1442564615"/>
+        <p14:creationId xmlns:p14="http://schemas.microsoft.com/office/powerpoint/2010/main" val="3512235179"/>
       </p:ext>
     </p:extLst>
   </p:cSld>
@@ -853,8 +853,8 @@
         </p:nvSpPr>
         <p:spPr>
           <a:xfrm>
-            <a:off x="589553" y="2154193"/>
-            <a:ext cx="7452658" cy="3594317"/>
+            <a:off x="589553" y="2080579"/>
+            <a:ext cx="7452658" cy="3471491"/>
           </a:xfrm>
         </p:spPr>
         <p:txBody>
@@ -885,8 +885,8 @@
         </p:nvSpPr>
         <p:spPr>
           <a:xfrm>
-            <a:off x="589553" y="5782513"/>
-            <a:ext cx="7452658" cy="1890166"/>
+            <a:off x="589553" y="5584911"/>
+            <a:ext cx="7452658" cy="1825575"/>
           </a:xfrm>
         </p:spPr>
         <p:txBody>
@@ -1007,7 +1007,7 @@
           <a:p>
             <a:fld id="{A24B4596-C42D-1049-8F16-B297CC03CE11}" type="datetimeFigureOut">
               <a:rPr lang="en-GB" smtClean="0"/>
-              <a:t>07/07/2024</a:t>
+              <a:t>19/08/2024</a:t>
             </a:fld>
             <a:endParaRPr lang="en-GB"/>
           </a:p>
@@ -1058,7 +1058,7 @@
     </p:spTree>
     <p:extLst>
       <p:ext uri="{BB962C8B-B14F-4D97-AF65-F5344CB8AC3E}">
-        <p14:creationId xmlns:p14="http://schemas.microsoft.com/office/powerpoint/2010/main" val="1817688196"/>
+        <p14:creationId xmlns:p14="http://schemas.microsoft.com/office/powerpoint/2010/main" val="2275841354"/>
       </p:ext>
     </p:extLst>
   </p:cSld>
@@ -1120,8 +1120,8 @@
         </p:nvSpPr>
         <p:spPr>
           <a:xfrm>
-            <a:off x="594053" y="2300203"/>
-            <a:ext cx="3672324" cy="5482485"/>
+            <a:off x="594053" y="2221600"/>
+            <a:ext cx="3672324" cy="5295135"/>
           </a:xfrm>
         </p:spPr>
         <p:txBody>
@@ -1177,8 +1177,8 @@
         </p:nvSpPr>
         <p:spPr>
           <a:xfrm>
-            <a:off x="4374386" y="2300203"/>
-            <a:ext cx="3672324" cy="5482485"/>
+            <a:off x="4374386" y="2221600"/>
+            <a:ext cx="3672324" cy="5295135"/>
           </a:xfrm>
         </p:spPr>
         <p:txBody>
@@ -1239,7 +1239,7 @@
           <a:p>
             <a:fld id="{A24B4596-C42D-1049-8F16-B297CC03CE11}" type="datetimeFigureOut">
               <a:rPr lang="en-GB" smtClean="0"/>
-              <a:t>07/07/2024</a:t>
+              <a:t>19/08/2024</a:t>
             </a:fld>
             <a:endParaRPr lang="en-GB"/>
           </a:p>
@@ -1290,7 +1290,7 @@
     </p:spTree>
     <p:extLst>
       <p:ext uri="{BB962C8B-B14F-4D97-AF65-F5344CB8AC3E}">
-        <p14:creationId xmlns:p14="http://schemas.microsoft.com/office/powerpoint/2010/main" val="51547415"/>
+        <p14:creationId xmlns:p14="http://schemas.microsoft.com/office/powerpoint/2010/main" val="2132137816"/>
       </p:ext>
     </p:extLst>
   </p:cSld>
@@ -1329,8 +1329,8 @@
         </p:nvSpPr>
         <p:spPr>
           <a:xfrm>
-            <a:off x="595178" y="460043"/>
-            <a:ext cx="7452658" cy="1670148"/>
+            <a:off x="595178" y="444322"/>
+            <a:ext cx="7452658" cy="1613075"/>
           </a:xfrm>
         </p:spPr>
         <p:txBody>
@@ -1357,8 +1357,8 @@
         </p:nvSpPr>
         <p:spPr>
           <a:xfrm>
-            <a:off x="595179" y="2118188"/>
-            <a:ext cx="3655447" cy="1038091"/>
+            <a:off x="595179" y="2045804"/>
+            <a:ext cx="3655447" cy="1002617"/>
           </a:xfrm>
         </p:spPr>
         <p:txBody>
@@ -1422,8 +1422,8 @@
         </p:nvSpPr>
         <p:spPr>
           <a:xfrm>
-            <a:off x="595179" y="3156278"/>
-            <a:ext cx="3655447" cy="4642411"/>
+            <a:off x="595179" y="3048421"/>
+            <a:ext cx="3655447" cy="4483769"/>
           </a:xfrm>
         </p:spPr>
         <p:txBody>
@@ -1479,8 +1479,8 @@
         </p:nvSpPr>
         <p:spPr>
           <a:xfrm>
-            <a:off x="4374387" y="2118188"/>
-            <a:ext cx="3673450" cy="1038091"/>
+            <a:off x="4374387" y="2045804"/>
+            <a:ext cx="3673450" cy="1002617"/>
           </a:xfrm>
         </p:spPr>
         <p:txBody>
@@ -1544,8 +1544,8 @@
         </p:nvSpPr>
         <p:spPr>
           <a:xfrm>
-            <a:off x="4374387" y="3156278"/>
-            <a:ext cx="3673450" cy="4642411"/>
+            <a:off x="4374387" y="3048421"/>
+            <a:ext cx="3673450" cy="4483769"/>
           </a:xfrm>
         </p:spPr>
         <p:txBody>
@@ -1606,7 +1606,7 @@
           <a:p>
             <a:fld id="{A24B4596-C42D-1049-8F16-B297CC03CE11}" type="datetimeFigureOut">
               <a:rPr lang="en-GB" smtClean="0"/>
-              <a:t>07/07/2024</a:t>
+              <a:t>19/08/2024</a:t>
             </a:fld>
             <a:endParaRPr lang="en-GB"/>
           </a:p>
@@ -1657,7 +1657,7 @@
     </p:spTree>
     <p:extLst>
       <p:ext uri="{BB962C8B-B14F-4D97-AF65-F5344CB8AC3E}">
-        <p14:creationId xmlns:p14="http://schemas.microsoft.com/office/powerpoint/2010/main" val="319103307"/>
+        <p14:creationId xmlns:p14="http://schemas.microsoft.com/office/powerpoint/2010/main" val="2096414409"/>
       </p:ext>
     </p:extLst>
   </p:cSld>
@@ -1724,7 +1724,7 @@
           <a:p>
             <a:fld id="{A24B4596-C42D-1049-8F16-B297CC03CE11}" type="datetimeFigureOut">
               <a:rPr lang="en-GB" smtClean="0"/>
-              <a:t>07/07/2024</a:t>
+              <a:t>19/08/2024</a:t>
             </a:fld>
             <a:endParaRPr lang="en-GB"/>
           </a:p>
@@ -1775,7 +1775,7 @@
     </p:spTree>
     <p:extLst>
       <p:ext uri="{BB962C8B-B14F-4D97-AF65-F5344CB8AC3E}">
-        <p14:creationId xmlns:p14="http://schemas.microsoft.com/office/powerpoint/2010/main" val="1420026467"/>
+        <p14:creationId xmlns:p14="http://schemas.microsoft.com/office/powerpoint/2010/main" val="3377693588"/>
       </p:ext>
     </p:extLst>
   </p:cSld>
@@ -1819,7 +1819,7 @@
           <a:p>
             <a:fld id="{A24B4596-C42D-1049-8F16-B297CC03CE11}" type="datetimeFigureOut">
               <a:rPr lang="en-GB" smtClean="0"/>
-              <a:t>07/07/2024</a:t>
+              <a:t>19/08/2024</a:t>
             </a:fld>
             <a:endParaRPr lang="en-GB"/>
           </a:p>
@@ -1870,7 +1870,7 @@
     </p:spTree>
     <p:extLst>
       <p:ext uri="{BB962C8B-B14F-4D97-AF65-F5344CB8AC3E}">
-        <p14:creationId xmlns:p14="http://schemas.microsoft.com/office/powerpoint/2010/main" val="4126026371"/>
+        <p14:creationId xmlns:p14="http://schemas.microsoft.com/office/powerpoint/2010/main" val="2913285617"/>
       </p:ext>
     </p:extLst>
   </p:cSld>
@@ -1909,8 +1909,8 @@
         </p:nvSpPr>
         <p:spPr>
           <a:xfrm>
-            <a:off x="595178" y="576051"/>
-            <a:ext cx="2786871" cy="2016178"/>
+            <a:off x="595178" y="556366"/>
+            <a:ext cx="2786871" cy="1947281"/>
           </a:xfrm>
         </p:spPr>
         <p:txBody>
@@ -1941,8 +1941,8 @@
         </p:nvSpPr>
         <p:spPr>
           <a:xfrm>
-            <a:off x="3673450" y="1244112"/>
-            <a:ext cx="4374386" cy="6140542"/>
+            <a:off x="3673450" y="1201597"/>
+            <a:ext cx="4374386" cy="5930706"/>
           </a:xfrm>
         </p:spPr>
         <p:txBody>
@@ -2026,8 +2026,8 @@
         </p:nvSpPr>
         <p:spPr>
           <a:xfrm>
-            <a:off x="595178" y="2592229"/>
-            <a:ext cx="2786871" cy="4802425"/>
+            <a:off x="595178" y="2503646"/>
+            <a:ext cx="2786871" cy="4638315"/>
           </a:xfrm>
         </p:spPr>
         <p:txBody>
@@ -2096,7 +2096,7 @@
           <a:p>
             <a:fld id="{A24B4596-C42D-1049-8F16-B297CC03CE11}" type="datetimeFigureOut">
               <a:rPr lang="en-GB" smtClean="0"/>
-              <a:t>07/07/2024</a:t>
+              <a:t>19/08/2024</a:t>
             </a:fld>
             <a:endParaRPr lang="en-GB"/>
           </a:p>
@@ -2147,7 +2147,7 @@
     </p:spTree>
     <p:extLst>
       <p:ext uri="{BB962C8B-B14F-4D97-AF65-F5344CB8AC3E}">
-        <p14:creationId xmlns:p14="http://schemas.microsoft.com/office/powerpoint/2010/main" val="2479668884"/>
+        <p14:creationId xmlns:p14="http://schemas.microsoft.com/office/powerpoint/2010/main" val="1568471605"/>
       </p:ext>
     </p:extLst>
   </p:cSld>
@@ -2186,8 +2186,8 @@
         </p:nvSpPr>
         <p:spPr>
           <a:xfrm>
-            <a:off x="595178" y="576051"/>
-            <a:ext cx="2786871" cy="2016178"/>
+            <a:off x="595178" y="556366"/>
+            <a:ext cx="2786871" cy="1947281"/>
           </a:xfrm>
         </p:spPr>
         <p:txBody>
@@ -2218,8 +2218,8 @@
         </p:nvSpPr>
         <p:spPr>
           <a:xfrm>
-            <a:off x="3673450" y="1244112"/>
-            <a:ext cx="4374386" cy="6140542"/>
+            <a:off x="3673450" y="1201597"/>
+            <a:ext cx="4374386" cy="5930706"/>
           </a:xfrm>
         </p:spPr>
         <p:txBody>
@@ -2283,8 +2283,8 @@
         </p:nvSpPr>
         <p:spPr>
           <a:xfrm>
-            <a:off x="595178" y="2592229"/>
-            <a:ext cx="2786871" cy="4802425"/>
+            <a:off x="595178" y="2503646"/>
+            <a:ext cx="2786871" cy="4638315"/>
           </a:xfrm>
         </p:spPr>
         <p:txBody>
@@ -2353,7 +2353,7 @@
           <a:p>
             <a:fld id="{A24B4596-C42D-1049-8F16-B297CC03CE11}" type="datetimeFigureOut">
               <a:rPr lang="en-GB" smtClean="0"/>
-              <a:t>07/07/2024</a:t>
+              <a:t>19/08/2024</a:t>
             </a:fld>
             <a:endParaRPr lang="en-GB"/>
           </a:p>
@@ -2404,7 +2404,7 @@
     </p:spTree>
     <p:extLst>
       <p:ext uri="{BB962C8B-B14F-4D97-AF65-F5344CB8AC3E}">
-        <p14:creationId xmlns:p14="http://schemas.microsoft.com/office/powerpoint/2010/main" val="616358138"/>
+        <p14:creationId xmlns:p14="http://schemas.microsoft.com/office/powerpoint/2010/main" val="524376854"/>
       </p:ext>
     </p:extLst>
   </p:cSld>
@@ -2448,8 +2448,8 @@
         </p:nvSpPr>
         <p:spPr>
           <a:xfrm>
-            <a:off x="594053" y="460043"/>
-            <a:ext cx="7452658" cy="1670148"/>
+            <a:off x="594053" y="444322"/>
+            <a:ext cx="7452658" cy="1613075"/>
           </a:xfrm>
           <a:prstGeom prst="rect">
             <a:avLst/>
@@ -2481,8 +2481,8 @@
         </p:nvSpPr>
         <p:spPr>
           <a:xfrm>
-            <a:off x="594053" y="2300203"/>
-            <a:ext cx="7452658" cy="5482485"/>
+            <a:off x="594053" y="2221600"/>
+            <a:ext cx="7452658" cy="5295135"/>
           </a:xfrm>
           <a:prstGeom prst="rect">
             <a:avLst/>
@@ -2543,8 +2543,8 @@
         </p:nvSpPr>
         <p:spPr>
           <a:xfrm>
-            <a:off x="594052" y="8008709"/>
-            <a:ext cx="1944172" cy="460041"/>
+            <a:off x="594052" y="7735033"/>
+            <a:ext cx="1944172" cy="444320"/>
           </a:xfrm>
           <a:prstGeom prst="rect">
             <a:avLst/>
@@ -2566,7 +2566,7 @@
           <a:p>
             <a:fld id="{A24B4596-C42D-1049-8F16-B297CC03CE11}" type="datetimeFigureOut">
               <a:rPr lang="en-GB" smtClean="0"/>
-              <a:t>07/07/2024</a:t>
+              <a:t>19/08/2024</a:t>
             </a:fld>
             <a:endParaRPr lang="en-GB"/>
           </a:p>
@@ -2584,8 +2584,8 @@
         </p:nvSpPr>
         <p:spPr>
           <a:xfrm>
-            <a:off x="2862253" y="8008709"/>
-            <a:ext cx="2916258" cy="460041"/>
+            <a:off x="2862253" y="7735033"/>
+            <a:ext cx="2916258" cy="444320"/>
           </a:xfrm>
           <a:prstGeom prst="rect">
             <a:avLst/>
@@ -2621,8 +2621,8 @@
         </p:nvSpPr>
         <p:spPr>
           <a:xfrm>
-            <a:off x="6102539" y="8008709"/>
-            <a:ext cx="1944172" cy="460041"/>
+            <a:off x="6102539" y="7735033"/>
+            <a:ext cx="1944172" cy="444320"/>
           </a:xfrm>
           <a:prstGeom prst="rect">
             <a:avLst/>
@@ -2653,23 +2653,23 @@
     </p:spTree>
     <p:extLst>
       <p:ext uri="{BB962C8B-B14F-4D97-AF65-F5344CB8AC3E}">
-        <p14:creationId xmlns:p14="http://schemas.microsoft.com/office/powerpoint/2010/main" val="2203090133"/>
+        <p14:creationId xmlns:p14="http://schemas.microsoft.com/office/powerpoint/2010/main" val="1656657752"/>
       </p:ext>
     </p:extLst>
   </p:cSld>
   <p:clrMap bg1="lt1" tx1="dk1" bg2="lt2" tx2="dk2" accent1="accent1" accent2="accent2" accent3="accent3" accent4="accent4" accent5="accent5" accent6="accent6" hlink="hlink" folHlink="folHlink"/>
   <p:sldLayoutIdLst>
-    <p:sldLayoutId id="2147483661" r:id="rId1"/>
-    <p:sldLayoutId id="2147483662" r:id="rId2"/>
-    <p:sldLayoutId id="2147483663" r:id="rId3"/>
-    <p:sldLayoutId id="2147483664" r:id="rId4"/>
-    <p:sldLayoutId id="2147483665" r:id="rId5"/>
-    <p:sldLayoutId id="2147483666" r:id="rId6"/>
-    <p:sldLayoutId id="2147483667" r:id="rId7"/>
-    <p:sldLayoutId id="2147483668" r:id="rId8"/>
-    <p:sldLayoutId id="2147483669" r:id="rId9"/>
-    <p:sldLayoutId id="2147483670" r:id="rId10"/>
-    <p:sldLayoutId id="2147483671" r:id="rId11"/>
+    <p:sldLayoutId id="2147483673" r:id="rId1"/>
+    <p:sldLayoutId id="2147483674" r:id="rId2"/>
+    <p:sldLayoutId id="2147483675" r:id="rId3"/>
+    <p:sldLayoutId id="2147483676" r:id="rId4"/>
+    <p:sldLayoutId id="2147483677" r:id="rId5"/>
+    <p:sldLayoutId id="2147483678" r:id="rId6"/>
+    <p:sldLayoutId id="2147483679" r:id="rId7"/>
+    <p:sldLayoutId id="2147483680" r:id="rId8"/>
+    <p:sldLayoutId id="2147483681" r:id="rId9"/>
+    <p:sldLayoutId id="2147483682" r:id="rId10"/>
+    <p:sldLayoutId id="2147483683" r:id="rId11"/>
   </p:sldLayoutIdLst>
   <p:txStyles>
     <p:titleStyle>
@@ -2975,10 +2975,10 @@
         <mc:Choice xmlns:pslz="http://schemas.microsoft.com/office/powerpoint/2016/slidezoom" Requires="pslz">
           <p:graphicFrame>
             <p:nvGraphicFramePr>
-              <p:cNvPr id="7" name="Slide Zoom 6">
+              <p:cNvPr id="4" name="Slide Zoom 3">
                 <a:extLst>
                   <a:ext uri="{FF2B5EF4-FFF2-40B4-BE49-F238E27FC236}">
-                    <a16:creationId xmlns:a16="http://schemas.microsoft.com/office/drawing/2014/main" id="{9A4B2514-DE60-E90E-0753-8651679BB0D2}"/>
+                    <a16:creationId xmlns:a16="http://schemas.microsoft.com/office/drawing/2014/main" id="{76B67CB9-BA08-2F3D-CCFB-7BE9C76BA3A7}"/>
                   </a:ext>
                 </a:extLst>
               </p:cNvPr>
@@ -2988,20 +2988,20 @@
               <p:nvPr>
                 <p:extLst>
                   <p:ext uri="{D42A27DB-BD31-4B8C-83A1-F6EECF244321}">
-                    <p14:modId xmlns:p14="http://schemas.microsoft.com/office/powerpoint/2010/main" val="1001221825"/>
+                    <p14:modId xmlns:p14="http://schemas.microsoft.com/office/powerpoint/2010/main" val="2181239574"/>
                   </p:ext>
                 </p:extLst>
               </p:nvPr>
             </p:nvGraphicFramePr>
             <p:xfrm>
-              <a:off x="4153268" y="4455817"/>
-              <a:ext cx="3240000" cy="3240000"/>
+              <a:off x="2671200" y="0"/>
+              <a:ext cx="3301200" cy="3188390"/>
             </p:xfrm>
             <a:graphic>
               <a:graphicData uri="http://schemas.microsoft.com/office/powerpoint/2016/slidezoom">
                 <pslz:sldZm>
                   <pslz:sldZmObj sldId="256" cId="1770594053">
-                    <pslz:zmPr id="{DEB289BA-851F-E94E-B758-5CF50B5A79ED}" returnToParent="0" transitionDur="1000" showBg="0">
+                    <pslz:zmPr id="{A7A323EF-EDCA-1842-93C1-732DEC9324FE}" returnToParent="0" transitionDur="1000" showBg="0">
                       <p166:blipFill xmlns:p166="http://schemas.microsoft.com/office/powerpoint/2016/6/main">
                         <a:blip r:embed="rId2"/>
                         <a:stretch>
@@ -3011,7 +3011,7 @@
                       <p166:spPr xmlns:p166="http://schemas.microsoft.com/office/powerpoint/2016/6/main">
                         <a:xfrm>
                           <a:off x="0" y="0"/>
-                          <a:ext cx="3240000" cy="3240000"/>
+                          <a:ext cx="3301200" cy="3188390"/>
                         </a:xfrm>
                         <a:prstGeom prst="rect">
                           <a:avLst/>
@@ -3032,11 +3032,11 @@
         <mc:Fallback>
           <p:pic>
             <p:nvPicPr>
-              <p:cNvPr id="7" name="Slide Zoom 6">
+              <p:cNvPr id="4" name="Slide Zoom 3">
                 <a:hlinkClick r:id="rId3" action="ppaction://hlinksldjump"/>
                 <a:extLst>
                   <a:ext uri="{FF2B5EF4-FFF2-40B4-BE49-F238E27FC236}">
-                    <a16:creationId xmlns:a16="http://schemas.microsoft.com/office/drawing/2014/main" id="{9A4B2514-DE60-E90E-0753-8651679BB0D2}"/>
+                    <a16:creationId xmlns:a16="http://schemas.microsoft.com/office/drawing/2014/main" id="{76B67CB9-BA08-2F3D-CCFB-7BE9C76BA3A7}"/>
                   </a:ext>
                 </a:extLst>
               </p:cNvPr>
@@ -3053,8 +3053,8 @@
             </p:blipFill>
             <p:spPr>
               <a:xfrm>
-                <a:off x="4153268" y="4455817"/>
-                <a:ext cx="3240000" cy="3240000"/>
+                <a:off x="2671200" y="0"/>
+                <a:ext cx="3301200" cy="3188390"/>
               </a:xfrm>
               <a:prstGeom prst="rect">
                 <a:avLst/>
@@ -3072,10 +3072,10 @@
         <mc:Choice xmlns:pslz="http://schemas.microsoft.com/office/powerpoint/2016/slidezoom" Requires="pslz">
           <p:graphicFrame>
             <p:nvGraphicFramePr>
-              <p:cNvPr id="8" name="Slide Zoom 7">
+              <p:cNvPr id="5" name="Slide Zoom 4">
                 <a:extLst>
                   <a:ext uri="{FF2B5EF4-FFF2-40B4-BE49-F238E27FC236}">
-                    <a16:creationId xmlns:a16="http://schemas.microsoft.com/office/drawing/2014/main" id="{F5605711-4C17-7D12-676E-3527CC168389}"/>
+                    <a16:creationId xmlns:a16="http://schemas.microsoft.com/office/drawing/2014/main" id="{445B2CC4-A1AB-D77A-BEB8-86DEAAEF4E3C}"/>
                   </a:ext>
                 </a:extLst>
               </p:cNvPr>
@@ -3085,20 +3085,20 @@
               <p:nvPr>
                 <p:extLst>
                   <p:ext uri="{D42A27DB-BD31-4B8C-83A1-F6EECF244321}">
-                    <p14:modId xmlns:p14="http://schemas.microsoft.com/office/powerpoint/2010/main" val="1025845258"/>
+                    <p14:modId xmlns:p14="http://schemas.microsoft.com/office/powerpoint/2010/main" val="2330991125"/>
                   </p:ext>
                 </p:extLst>
               </p:nvPr>
             </p:nvGraphicFramePr>
             <p:xfrm>
-              <a:off x="1457882" y="4451469"/>
-              <a:ext cx="3240000" cy="3240000"/>
+              <a:off x="0" y="1969721"/>
+              <a:ext cx="3301200" cy="3188390"/>
             </p:xfrm>
             <a:graphic>
               <a:graphicData uri="http://schemas.microsoft.com/office/powerpoint/2016/slidezoom">
                 <pslz:sldZm>
                   <pslz:sldZmObj sldId="256" cId="1770594053">
-                    <pslz:zmPr id="{DEB289BA-851F-E94E-B758-5CF50B5A79ED}" returnToParent="0" transitionDur="1000" showBg="0">
+                    <pslz:zmPr id="{A7A323EF-EDCA-1842-93C1-732DEC9324FE}" returnToParent="0" transitionDur="1000" showBg="0">
                       <p166:blipFill xmlns:p166="http://schemas.microsoft.com/office/powerpoint/2016/6/main">
                         <a:blip r:embed="rId4"/>
                         <a:stretch>
@@ -3108,7 +3108,7 @@
                       <p166:spPr xmlns:p166="http://schemas.microsoft.com/office/powerpoint/2016/6/main">
                         <a:xfrm>
                           <a:off x="0" y="0"/>
-                          <a:ext cx="3240000" cy="3240000"/>
+                          <a:ext cx="3301200" cy="3188390"/>
                         </a:xfrm>
                         <a:prstGeom prst="rect">
                           <a:avLst/>
@@ -3129,11 +3129,11 @@
         <mc:Fallback>
           <p:pic>
             <p:nvPicPr>
-              <p:cNvPr id="8" name="Slide Zoom 7">
+              <p:cNvPr id="5" name="Slide Zoom 4">
                 <a:hlinkClick r:id="rId3" action="ppaction://hlinksldjump"/>
                 <a:extLst>
                   <a:ext uri="{FF2B5EF4-FFF2-40B4-BE49-F238E27FC236}">
-                    <a16:creationId xmlns:a16="http://schemas.microsoft.com/office/drawing/2014/main" id="{F5605711-4C17-7D12-676E-3527CC168389}"/>
+                    <a16:creationId xmlns:a16="http://schemas.microsoft.com/office/drawing/2014/main" id="{445B2CC4-A1AB-D77A-BEB8-86DEAAEF4E3C}"/>
                   </a:ext>
                 </a:extLst>
               </p:cNvPr>
@@ -3150,8 +3150,8 @@
             </p:blipFill>
             <p:spPr>
               <a:xfrm>
-                <a:off x="1457882" y="4451469"/>
-                <a:ext cx="3240000" cy="3240000"/>
+                <a:off x="0" y="1969721"/>
+                <a:ext cx="3301200" cy="3188390"/>
               </a:xfrm>
               <a:prstGeom prst="rect">
                 <a:avLst/>
@@ -3169,10 +3169,10 @@
         <mc:Choice xmlns:pslz="http://schemas.microsoft.com/office/powerpoint/2016/slidezoom" Requires="pslz">
           <p:graphicFrame>
             <p:nvGraphicFramePr>
-              <p:cNvPr id="9" name="Slide Zoom 8">
+              <p:cNvPr id="11" name="Slide Zoom 10">
                 <a:extLst>
                   <a:ext uri="{FF2B5EF4-FFF2-40B4-BE49-F238E27FC236}">
-                    <a16:creationId xmlns:a16="http://schemas.microsoft.com/office/drawing/2014/main" id="{8C06F37C-8236-5F54-DB78-C84C381DDD75}"/>
+                    <a16:creationId xmlns:a16="http://schemas.microsoft.com/office/drawing/2014/main" id="{E0776CBD-83CA-D3BF-A3FF-D5FF11987996}"/>
                   </a:ext>
                 </a:extLst>
               </p:cNvPr>
@@ -3182,20 +3182,20 @@
               <p:nvPr>
                 <p:extLst>
                   <p:ext uri="{D42A27DB-BD31-4B8C-83A1-F6EECF244321}">
-                    <p14:modId xmlns:p14="http://schemas.microsoft.com/office/powerpoint/2010/main" val="2763964497"/>
+                    <p14:modId xmlns:p14="http://schemas.microsoft.com/office/powerpoint/2010/main" val="528598038"/>
                   </p:ext>
                 </p:extLst>
               </p:nvPr>
             </p:nvGraphicFramePr>
             <p:xfrm>
-              <a:off x="4920023" y="2055526"/>
-              <a:ext cx="3240000" cy="3240000"/>
+              <a:off x="5338800" y="1969200"/>
+              <a:ext cx="3301200" cy="3188390"/>
             </p:xfrm>
             <a:graphic>
               <a:graphicData uri="http://schemas.microsoft.com/office/powerpoint/2016/slidezoom">
                 <pslz:sldZm>
                   <pslz:sldZmObj sldId="256" cId="1770594053">
-                    <pslz:zmPr id="{DEB289BA-851F-E94E-B758-5CF50B5A79ED}" returnToParent="0" transitionDur="1000" showBg="0">
+                    <pslz:zmPr id="{A7A323EF-EDCA-1842-93C1-732DEC9324FE}" returnToParent="0" transitionDur="1000" showBg="0">
                       <p166:blipFill xmlns:p166="http://schemas.microsoft.com/office/powerpoint/2016/6/main">
                         <a:blip r:embed="rId5"/>
                         <a:stretch>
@@ -3205,7 +3205,7 @@
                       <p166:spPr xmlns:p166="http://schemas.microsoft.com/office/powerpoint/2016/6/main">
                         <a:xfrm>
                           <a:off x="0" y="0"/>
-                          <a:ext cx="3240000" cy="3240000"/>
+                          <a:ext cx="3301200" cy="3188390"/>
                         </a:xfrm>
                         <a:prstGeom prst="rect">
                           <a:avLst/>
@@ -3226,11 +3226,11 @@
         <mc:Fallback>
           <p:pic>
             <p:nvPicPr>
-              <p:cNvPr id="9" name="Slide Zoom 8">
+              <p:cNvPr id="11" name="Slide Zoom 10">
                 <a:hlinkClick r:id="rId3" action="ppaction://hlinksldjump"/>
                 <a:extLst>
                   <a:ext uri="{FF2B5EF4-FFF2-40B4-BE49-F238E27FC236}">
-                    <a16:creationId xmlns:a16="http://schemas.microsoft.com/office/drawing/2014/main" id="{8C06F37C-8236-5F54-DB78-C84C381DDD75}"/>
+                    <a16:creationId xmlns:a16="http://schemas.microsoft.com/office/drawing/2014/main" id="{E0776CBD-83CA-D3BF-A3FF-D5FF11987996}"/>
                   </a:ext>
                 </a:extLst>
               </p:cNvPr>
@@ -3247,8 +3247,8 @@
             </p:blipFill>
             <p:spPr>
               <a:xfrm>
-                <a:off x="4920023" y="2055526"/>
-                <a:ext cx="3240000" cy="3240000"/>
+                <a:off x="5338800" y="1969200"/>
+                <a:ext cx="3301200" cy="3188390"/>
               </a:xfrm>
               <a:prstGeom prst="rect">
                 <a:avLst/>
@@ -3266,10 +3266,10 @@
         <mc:Choice xmlns:pslz="http://schemas.microsoft.com/office/powerpoint/2016/slidezoom" Requires="pslz">
           <p:graphicFrame>
             <p:nvGraphicFramePr>
-              <p:cNvPr id="10" name="Slide Zoom 9">
+              <p:cNvPr id="12" name="Slide Zoom 11">
                 <a:extLst>
                   <a:ext uri="{FF2B5EF4-FFF2-40B4-BE49-F238E27FC236}">
-                    <a16:creationId xmlns:a16="http://schemas.microsoft.com/office/drawing/2014/main" id="{C01F10D6-00FC-7672-FE24-E8755CFDDCB6}"/>
+                    <a16:creationId xmlns:a16="http://schemas.microsoft.com/office/drawing/2014/main" id="{99CFB7FD-C9C6-936B-E5A9-035BFB4A2D42}"/>
                   </a:ext>
                 </a:extLst>
               </p:cNvPr>
@@ -3279,20 +3279,20 @@
               <p:nvPr>
                 <p:extLst>
                   <p:ext uri="{D42A27DB-BD31-4B8C-83A1-F6EECF244321}">
-                    <p14:modId xmlns:p14="http://schemas.microsoft.com/office/powerpoint/2010/main" val="177681122"/>
+                    <p14:modId xmlns:p14="http://schemas.microsoft.com/office/powerpoint/2010/main" val="2844458073"/>
                   </p:ext>
                 </p:extLst>
               </p:nvPr>
             </p:nvGraphicFramePr>
             <p:xfrm>
-              <a:off x="555389" y="2052017"/>
-              <a:ext cx="3240000" cy="3240000"/>
+              <a:off x="1018800" y="5158800"/>
+              <a:ext cx="3301200" cy="3188390"/>
             </p:xfrm>
             <a:graphic>
               <a:graphicData uri="http://schemas.microsoft.com/office/powerpoint/2016/slidezoom">
                 <pslz:sldZm>
                   <pslz:sldZmObj sldId="256" cId="1770594053">
-                    <pslz:zmPr id="{DEB289BA-851F-E94E-B758-5CF50B5A79ED}" returnToParent="0" transitionDur="1000" showBg="0">
+                    <pslz:zmPr id="{A7A323EF-EDCA-1842-93C1-732DEC9324FE}" returnToParent="0" transitionDur="1000" showBg="0">
                       <p166:blipFill xmlns:p166="http://schemas.microsoft.com/office/powerpoint/2016/6/main">
                         <a:blip r:embed="rId6"/>
                         <a:stretch>
@@ -3302,7 +3302,7 @@
                       <p166:spPr xmlns:p166="http://schemas.microsoft.com/office/powerpoint/2016/6/main">
                         <a:xfrm>
                           <a:off x="0" y="0"/>
-                          <a:ext cx="3240000" cy="3240000"/>
+                          <a:ext cx="3301200" cy="3188390"/>
                         </a:xfrm>
                         <a:prstGeom prst="rect">
                           <a:avLst/>
@@ -3323,11 +3323,11 @@
         <mc:Fallback>
           <p:pic>
             <p:nvPicPr>
-              <p:cNvPr id="10" name="Slide Zoom 9">
+              <p:cNvPr id="12" name="Slide Zoom 11">
                 <a:hlinkClick r:id="rId3" action="ppaction://hlinksldjump"/>
                 <a:extLst>
                   <a:ext uri="{FF2B5EF4-FFF2-40B4-BE49-F238E27FC236}">
-                    <a16:creationId xmlns:a16="http://schemas.microsoft.com/office/drawing/2014/main" id="{C01F10D6-00FC-7672-FE24-E8755CFDDCB6}"/>
+                    <a16:creationId xmlns:a16="http://schemas.microsoft.com/office/drawing/2014/main" id="{99CFB7FD-C9C6-936B-E5A9-035BFB4A2D42}"/>
                   </a:ext>
                 </a:extLst>
               </p:cNvPr>
@@ -3344,8 +3344,8 @@
             </p:blipFill>
             <p:spPr>
               <a:xfrm>
-                <a:off x="555389" y="2052017"/>
-                <a:ext cx="3240000" cy="3240000"/>
+                <a:off x="1018800" y="5158800"/>
+                <a:ext cx="3301200" cy="3188390"/>
               </a:xfrm>
               <a:prstGeom prst="rect">
                 <a:avLst/>
@@ -3363,10 +3363,10 @@
         <mc:Choice xmlns:pslz="http://schemas.microsoft.com/office/powerpoint/2016/slidezoom" Requires="pslz">
           <p:graphicFrame>
             <p:nvGraphicFramePr>
-              <p:cNvPr id="6" name="Slide Zoom 5">
+              <p:cNvPr id="13" name="Slide Zoom 12">
                 <a:extLst>
                   <a:ext uri="{FF2B5EF4-FFF2-40B4-BE49-F238E27FC236}">
-                    <a16:creationId xmlns:a16="http://schemas.microsoft.com/office/drawing/2014/main" id="{A22F8780-BF9F-8826-BC63-99A279098262}"/>
+                    <a16:creationId xmlns:a16="http://schemas.microsoft.com/office/drawing/2014/main" id="{BFDB06B9-A766-F8ED-26DA-7FB0B4780B01}"/>
                   </a:ext>
                 </a:extLst>
               </p:cNvPr>
@@ -3376,20 +3376,20 @@
               <p:nvPr>
                 <p:extLst>
                   <p:ext uri="{D42A27DB-BD31-4B8C-83A1-F6EECF244321}">
-                    <p14:modId xmlns:p14="http://schemas.microsoft.com/office/powerpoint/2010/main" val="225941401"/>
+                    <p14:modId xmlns:p14="http://schemas.microsoft.com/office/powerpoint/2010/main" val="4137336584"/>
                   </p:ext>
                 </p:extLst>
               </p:nvPr>
             </p:nvGraphicFramePr>
             <p:xfrm>
-              <a:off x="2700000" y="575152"/>
-              <a:ext cx="3240000" cy="3240000"/>
+              <a:off x="4320000" y="5158800"/>
+              <a:ext cx="3301200" cy="3188390"/>
             </p:xfrm>
             <a:graphic>
               <a:graphicData uri="http://schemas.microsoft.com/office/powerpoint/2016/slidezoom">
                 <pslz:sldZm>
                   <pslz:sldZmObj sldId="256" cId="1770594053">
-                    <pslz:zmPr id="{DEB289BA-851F-E94E-B758-5CF50B5A79ED}" returnToParent="0" transitionDur="1000" showBg="0">
+                    <pslz:zmPr id="{A7A323EF-EDCA-1842-93C1-732DEC9324FE}" returnToParent="0" transitionDur="1000" showBg="0">
                       <p166:blipFill xmlns:p166="http://schemas.microsoft.com/office/powerpoint/2016/6/main">
                         <a:blip r:embed="rId7"/>
                         <a:stretch>
@@ -3399,7 +3399,7 @@
                       <p166:spPr xmlns:p166="http://schemas.microsoft.com/office/powerpoint/2016/6/main">
                         <a:xfrm>
                           <a:off x="0" y="0"/>
-                          <a:ext cx="3240000" cy="3240000"/>
+                          <a:ext cx="3301200" cy="3188390"/>
                         </a:xfrm>
                         <a:prstGeom prst="rect">
                           <a:avLst/>
@@ -3420,11 +3420,11 @@
         <mc:Fallback>
           <p:pic>
             <p:nvPicPr>
-              <p:cNvPr id="6" name="Slide Zoom 5">
+              <p:cNvPr id="13" name="Slide Zoom 12">
                 <a:hlinkClick r:id="rId3" action="ppaction://hlinksldjump"/>
                 <a:extLst>
                   <a:ext uri="{FF2B5EF4-FFF2-40B4-BE49-F238E27FC236}">
-                    <a16:creationId xmlns:a16="http://schemas.microsoft.com/office/drawing/2014/main" id="{A22F8780-BF9F-8826-BC63-99A279098262}"/>
+                    <a16:creationId xmlns:a16="http://schemas.microsoft.com/office/drawing/2014/main" id="{BFDB06B9-A766-F8ED-26DA-7FB0B4780B01}"/>
                   </a:ext>
                 </a:extLst>
               </p:cNvPr>
@@ -3441,8 +3441,8 @@
             </p:blipFill>
             <p:spPr>
               <a:xfrm>
-                <a:off x="2700000" y="575152"/>
-                <a:ext cx="3240000" cy="3240000"/>
+                <a:off x="4320000" y="5158800"/>
+                <a:ext cx="3301200" cy="3188390"/>
               </a:xfrm>
               <a:prstGeom prst="rect">
                 <a:avLst/>
